--- a/poster/poster_credentia.pptx
+++ b/poster/poster_credentia.pptx
@@ -4244,6 +4244,9 @@
             <a:avLst/>
           </a:prstGeom>
           <a:noFill/>
+          <a:ln>
+            <a:noFill/>
+          </a:ln>
         </p:spPr>
         <p:style>
           <a:lnRef idx="2">
@@ -4444,7 +4447,7 @@
         </p:blipFill>
         <p:spPr>
           <a:xfrm>
-            <a:off x="23239504" y="34646858"/>
+            <a:off x="22333617" y="34724108"/>
             <a:ext cx="2073021" cy="2073021"/>
           </a:xfrm>
           <a:prstGeom prst="rect">
@@ -4535,7 +4538,7 @@
         </p:blipFill>
         <p:spPr>
           <a:xfrm>
-            <a:off x="14629257" y="34646858"/>
+            <a:off x="15249955" y="34674759"/>
             <a:ext cx="2285714" cy="2285714"/>
           </a:xfrm>
           <a:prstGeom prst="rect">
@@ -4971,7 +4974,7 @@
         </p:blipFill>
         <p:spPr>
           <a:xfrm>
-            <a:off x="23211350" y="30973955"/>
+            <a:off x="22305463" y="31051205"/>
             <a:ext cx="2246498" cy="2246498"/>
           </a:xfrm>
           <a:prstGeom prst="rect">
@@ -5043,7 +5046,7 @@
         </p:blipFill>
         <p:spPr>
           <a:xfrm>
-            <a:off x="14601103" y="31096478"/>
+            <a:off x="15221801" y="31124379"/>
             <a:ext cx="2114285" cy="2285714"/>
           </a:xfrm>
           <a:prstGeom prst="rect">

--- a/poster/poster_credentia.pptx
+++ b/poster/poster_credentia.pptx
@@ -3728,7 +3728,7 @@
         </p:nvSpPr>
         <p:spPr>
           <a:xfrm>
-            <a:off x="1153057" y="6765457"/>
+            <a:off x="1153057" y="7053489"/>
             <a:ext cx="11538880" cy="3853604"/>
           </a:xfrm>
           <a:prstGeom prst="rect">
@@ -3759,6 +3759,11 @@
           <a:bodyPr rtlCol="0" anchor="ctr"/>
           <a:lstStyle/>
           <a:p>
+            <a:pPr algn="just">
+              <a:spcBef>
+                <a:spcPts val="600"/>
+              </a:spcBef>
+            </a:pPr>
             <a:r>
               <a:rPr lang="es-ES" sz="3200" dirty="0">
                 <a:solidFill>
@@ -3769,18 +3774,10 @@
             </a:r>
           </a:p>
           <a:p>
-            <a:pPr marL="457200" indent="-457200">
-              <a:buFont typeface="Arial" panose="020B0604020202020204" pitchFamily="34" charset="0"/>
-              <a:buChar char="•"/>
-            </a:pPr>
-            <a:endParaRPr lang="es-ES" sz="3200" dirty="0">
-              <a:solidFill>
-                <a:schemeClr val="tx1"/>
-              </a:solidFill>
-            </a:endParaRPr>
-          </a:p>
-          <a:p>
-            <a:pPr marL="457200" indent="-457200">
+            <a:pPr marL="252000" indent="-252000" algn="just">
+              <a:spcBef>
+                <a:spcPts val="1200"/>
+              </a:spcBef>
               <a:buFont typeface="Arial" panose="020B0604020202020204" pitchFamily="34" charset="0"/>
               <a:buChar char="•"/>
             </a:pPr>
@@ -3802,7 +3799,10 @@
             </a:r>
           </a:p>
           <a:p>
-            <a:pPr marL="457200" indent="-457200">
+            <a:pPr marL="252000" indent="-252000" algn="just">
+              <a:spcBef>
+                <a:spcPts val="1200"/>
+              </a:spcBef>
               <a:buFont typeface="Arial" panose="020B0604020202020204" pitchFamily="34" charset="0"/>
               <a:buChar char="•"/>
             </a:pPr>
@@ -3824,7 +3824,10 @@
             </a:r>
           </a:p>
           <a:p>
-            <a:pPr marL="457200" indent="-457200">
+            <a:pPr marL="252000" indent="-252000" algn="just">
+              <a:spcBef>
+                <a:spcPts val="1200"/>
+              </a:spcBef>
               <a:buFont typeface="Arial" panose="020B0604020202020204" pitchFamily="34" charset="0"/>
               <a:buChar char="•"/>
             </a:pPr>
@@ -3941,7 +3944,10 @@
           <a:bodyPr rtlCol="0" anchor="ctr"/>
           <a:lstStyle/>
           <a:p>
-            <a:pPr marL="457200" indent="-457200">
+            <a:pPr marL="288000" indent="-288000">
+              <a:spcBef>
+                <a:spcPts val="1200"/>
+              </a:spcBef>
               <a:buFont typeface="Arial" panose="020B0604020202020204" pitchFamily="34" charset="0"/>
               <a:buChar char="•"/>
             </a:pPr>
@@ -3971,7 +3977,10 @@
             </a:r>
           </a:p>
           <a:p>
-            <a:pPr marL="457200" indent="-457200">
+            <a:pPr marL="288000" indent="-288000">
+              <a:spcBef>
+                <a:spcPts val="1200"/>
+              </a:spcBef>
               <a:buFont typeface="Arial" panose="020B0604020202020204" pitchFamily="34" charset="0"/>
               <a:buChar char="•"/>
             </a:pPr>
@@ -4001,7 +4010,10 @@
             </a:r>
           </a:p>
           <a:p>
-            <a:pPr marL="457200" indent="-457200">
+            <a:pPr marL="288000" indent="-288000">
+              <a:spcBef>
+                <a:spcPts val="1200"/>
+              </a:spcBef>
               <a:buFont typeface="Arial" panose="020B0604020202020204" pitchFamily="34" charset="0"/>
               <a:buChar char="•"/>
             </a:pPr>
@@ -4031,7 +4043,10 @@
             </a:r>
           </a:p>
           <a:p>
-            <a:pPr marL="457200" indent="-457200">
+            <a:pPr marL="288000" indent="-288000">
+              <a:spcBef>
+                <a:spcPts val="1200"/>
+              </a:spcBef>
               <a:buFont typeface="Arial" panose="020B0604020202020204" pitchFamily="34" charset="0"/>
               <a:buChar char="•"/>
             </a:pPr>
@@ -4076,7 +4091,7 @@
         </p:nvSpPr>
         <p:spPr>
           <a:xfrm>
-            <a:off x="1153058" y="18899981"/>
+            <a:off x="1153058" y="19250770"/>
             <a:ext cx="11538879" cy="1648978"/>
           </a:xfrm>
           <a:prstGeom prst="roundRect">
@@ -4125,7 +4140,7 @@
         </p:nvSpPr>
         <p:spPr>
           <a:xfrm>
-            <a:off x="1262304" y="23768596"/>
+            <a:off x="1262304" y="24119385"/>
             <a:ext cx="11320387" cy="3853604"/>
           </a:xfrm>
           <a:prstGeom prst="rect">
@@ -4156,7 +4171,10 @@
           <a:bodyPr rtlCol="0" anchor="ctr"/>
           <a:lstStyle/>
           <a:p>
-            <a:pPr marL="457200" indent="-457200">
+            <a:pPr marL="288000" indent="-288000" algn="just">
+              <a:spcBef>
+                <a:spcPts val="1200"/>
+              </a:spcBef>
               <a:buFont typeface="Arial" panose="020B0604020202020204" pitchFamily="34" charset="0"/>
               <a:buChar char="•"/>
             </a:pPr>
@@ -4174,11 +4192,14 @@
                   <a:schemeClr val="tx1"/>
                 </a:solidFill>
               </a:rPr>
-              <a:t>: la universidad genera un diploma digital. (token NFT en su contrato inteligente)</a:t>
-            </a:r>
-          </a:p>
-          <a:p>
-            <a:pPr marL="457200" indent="-457200">
+              <a:t>: la universidad genera un diploma digital (token NFT en su contrato inteligente).</a:t>
+            </a:r>
+          </a:p>
+          <a:p>
+            <a:pPr marL="288000" indent="-288000" algn="just">
+              <a:spcBef>
+                <a:spcPts val="1200"/>
+              </a:spcBef>
               <a:buFont typeface="Arial" panose="020B0604020202020204" pitchFamily="34" charset="0"/>
               <a:buChar char="•"/>
             </a:pPr>
@@ -4200,7 +4221,10 @@
             </a:r>
           </a:p>
           <a:p>
-            <a:pPr marL="457200" indent="-457200">
+            <a:pPr marL="288000" indent="-288000" algn="just">
+              <a:spcBef>
+                <a:spcPts val="1200"/>
+              </a:spcBef>
               <a:buFont typeface="Arial" panose="020B0604020202020204" pitchFamily="34" charset="0"/>
               <a:buChar char="•"/>
             </a:pPr>
@@ -4218,7 +4242,7 @@
                   <a:schemeClr val="tx1"/>
                 </a:solidFill>
               </a:rPr>
-              <a:t>: cualquier persona puede introducir el ID en la web para comprobar la autenticidad además de verlo en un explorador de bloques</a:t>
+              <a:t>: cualquier persona puede introducir el ID en la web o en un explorador de bloques para comprobar la autenticidad</a:t>
             </a:r>
           </a:p>
         </p:txBody>
@@ -4560,7 +4584,7 @@
         </p:nvGrpSpPr>
         <p:grpSpPr>
           <a:xfrm>
-            <a:off x="1241213" y="20945322"/>
+            <a:off x="1241213" y="21296111"/>
             <a:ext cx="11308304" cy="2521984"/>
             <a:chOff x="1169686" y="20877359"/>
             <a:chExt cx="11308304" cy="2521984"/>
@@ -4974,7 +4998,7 @@
         </p:blipFill>
         <p:spPr>
           <a:xfrm>
-            <a:off x="22305463" y="31051205"/>
+            <a:off x="22305463" y="31590765"/>
             <a:ext cx="2246498" cy="2246498"/>
           </a:xfrm>
           <a:prstGeom prst="rect">
@@ -5010,7 +5034,7 @@
         </p:blipFill>
         <p:spPr>
           <a:xfrm>
-            <a:off x="18697692" y="31116086"/>
+            <a:off x="18697692" y="31655646"/>
             <a:ext cx="2246498" cy="2246498"/>
           </a:xfrm>
           <a:prstGeom prst="rect">
@@ -5046,7 +5070,7 @@
         </p:blipFill>
         <p:spPr>
           <a:xfrm>
-            <a:off x="15221801" y="31124379"/>
+            <a:off x="15221801" y="31663939"/>
             <a:ext cx="2114285" cy="2285714"/>
           </a:xfrm>
           <a:prstGeom prst="rect">
@@ -5068,7 +5092,7 @@
         </p:nvSpPr>
         <p:spPr>
           <a:xfrm>
-            <a:off x="14100747" y="28356873"/>
+            <a:off x="14100747" y="28828515"/>
             <a:ext cx="11812488" cy="1520738"/>
           </a:xfrm>
           <a:prstGeom prst="roundRect">

--- a/poster/poster_credentia.pptx
+++ b/poster/poster_credentia.pptx
@@ -208,7 +208,7 @@
           <a:p>
             <a:fld id="{386AFFDF-AA30-495F-B4FD-A0E96C4BEFF6}" type="datetimeFigureOut">
               <a:rPr lang="es-ES" smtClean="0"/>
-              <a:t>22/09/2025</a:t>
+              <a:t>23/09/2025</a:t>
             </a:fld>
             <a:endParaRPr lang="es-ES"/>
           </a:p>
@@ -744,7 +744,7 @@
             <a:fld id="{BEF21F43-A14A-43F8-9B6F-A886C32909C2}" type="datetimeFigureOut">
               <a:rPr lang="es-ES" smtClean="0"/>
               <a:pPr/>
-              <a:t>22/09/2025</a:t>
+              <a:t>23/09/2025</a:t>
             </a:fld>
             <a:endParaRPr lang="es-ES" dirty="0"/>
           </a:p>
@@ -909,7 +909,7 @@
             <a:fld id="{BEF21F43-A14A-43F8-9B6F-A886C32909C2}" type="datetimeFigureOut">
               <a:rPr lang="es-ES" smtClean="0"/>
               <a:pPr/>
-              <a:t>22/09/2025</a:t>
+              <a:t>23/09/2025</a:t>
             </a:fld>
             <a:endParaRPr lang="es-ES" dirty="0"/>
           </a:p>
@@ -1084,7 +1084,7 @@
             <a:fld id="{BEF21F43-A14A-43F8-9B6F-A886C32909C2}" type="datetimeFigureOut">
               <a:rPr lang="es-ES" smtClean="0"/>
               <a:pPr/>
-              <a:t>22/09/2025</a:t>
+              <a:t>23/09/2025</a:t>
             </a:fld>
             <a:endParaRPr lang="es-ES" dirty="0"/>
           </a:p>
@@ -1249,7 +1249,7 @@
             <a:fld id="{BEF21F43-A14A-43F8-9B6F-A886C32909C2}" type="datetimeFigureOut">
               <a:rPr lang="es-ES" smtClean="0"/>
               <a:pPr/>
-              <a:t>22/09/2025</a:t>
+              <a:t>23/09/2025</a:t>
             </a:fld>
             <a:endParaRPr lang="es-ES" dirty="0"/>
           </a:p>
@@ -1491,7 +1491,7 @@
             <a:fld id="{BEF21F43-A14A-43F8-9B6F-A886C32909C2}" type="datetimeFigureOut">
               <a:rPr lang="es-ES" smtClean="0"/>
               <a:pPr/>
-              <a:t>22/09/2025</a:t>
+              <a:t>23/09/2025</a:t>
             </a:fld>
             <a:endParaRPr lang="es-ES" dirty="0"/>
           </a:p>
@@ -1773,7 +1773,7 @@
             <a:fld id="{BEF21F43-A14A-43F8-9B6F-A886C32909C2}" type="datetimeFigureOut">
               <a:rPr lang="es-ES" smtClean="0"/>
               <a:pPr/>
-              <a:t>22/09/2025</a:t>
+              <a:t>23/09/2025</a:t>
             </a:fld>
             <a:endParaRPr lang="es-ES" dirty="0"/>
           </a:p>
@@ -2189,7 +2189,7 @@
             <a:fld id="{BEF21F43-A14A-43F8-9B6F-A886C32909C2}" type="datetimeFigureOut">
               <a:rPr lang="es-ES" smtClean="0"/>
               <a:pPr/>
-              <a:t>22/09/2025</a:t>
+              <a:t>23/09/2025</a:t>
             </a:fld>
             <a:endParaRPr lang="es-ES" dirty="0"/>
           </a:p>
@@ -2303,7 +2303,7 @@
             <a:fld id="{BEF21F43-A14A-43F8-9B6F-A886C32909C2}" type="datetimeFigureOut">
               <a:rPr lang="es-ES" smtClean="0"/>
               <a:pPr/>
-              <a:t>22/09/2025</a:t>
+              <a:t>23/09/2025</a:t>
             </a:fld>
             <a:endParaRPr lang="es-ES" dirty="0"/>
           </a:p>
@@ -2395,7 +2395,7 @@
             <a:fld id="{BEF21F43-A14A-43F8-9B6F-A886C32909C2}" type="datetimeFigureOut">
               <a:rPr lang="es-ES" smtClean="0"/>
               <a:pPr/>
-              <a:t>22/09/2025</a:t>
+              <a:t>23/09/2025</a:t>
             </a:fld>
             <a:endParaRPr lang="es-ES" dirty="0"/>
           </a:p>
@@ -2667,7 +2667,7 @@
             <a:fld id="{BEF21F43-A14A-43F8-9B6F-A886C32909C2}" type="datetimeFigureOut">
               <a:rPr lang="es-ES" smtClean="0"/>
               <a:pPr/>
-              <a:t>22/09/2025</a:t>
+              <a:t>23/09/2025</a:t>
             </a:fld>
             <a:endParaRPr lang="es-ES" dirty="0"/>
           </a:p>
@@ -2916,7 +2916,7 @@
             <a:fld id="{BEF21F43-A14A-43F8-9B6F-A886C32909C2}" type="datetimeFigureOut">
               <a:rPr lang="es-ES" smtClean="0"/>
               <a:pPr/>
-              <a:t>22/09/2025</a:t>
+              <a:t>23/09/2025</a:t>
             </a:fld>
             <a:endParaRPr lang="es-ES" dirty="0"/>
           </a:p>
@@ -3130,7 +3130,7 @@
             <a:fld id="{BEF21F43-A14A-43F8-9B6F-A886C32909C2}" type="datetimeFigureOut">
               <a:rPr lang="es-ES" smtClean="0"/>
               <a:pPr/>
-              <a:t>22/09/2025</a:t>
+              <a:t>23/09/2025</a:t>
             </a:fld>
             <a:endParaRPr lang="es-ES" dirty="0"/>
           </a:p>
@@ -4247,59 +4247,6 @@
           </a:p>
         </p:txBody>
       </p:sp>
-      <p:sp>
-        <p:nvSpPr>
-          <p:cNvPr id="16" name="Rectángulo 15">
-            <a:extLst>
-              <a:ext uri="{FF2B5EF4-FFF2-40B4-BE49-F238E27FC236}">
-                <a16:creationId xmlns:a16="http://schemas.microsoft.com/office/drawing/2014/main" id="{23B4593E-8715-C874-0B1D-67D21536CF12}"/>
-              </a:ext>
-            </a:extLst>
-          </p:cNvPr>
-          <p:cNvSpPr/>
-          <p:nvPr/>
-        </p:nvSpPr>
-        <p:spPr>
-          <a:xfrm>
-            <a:off x="14100746" y="30641040"/>
-            <a:ext cx="11812489" cy="6614281"/>
-          </a:xfrm>
-          <a:prstGeom prst="rect">
-            <a:avLst/>
-          </a:prstGeom>
-          <a:noFill/>
-          <a:ln>
-            <a:noFill/>
-          </a:ln>
-        </p:spPr>
-        <p:style>
-          <a:lnRef idx="2">
-            <a:schemeClr val="accent1">
-              <a:shade val="15000"/>
-            </a:schemeClr>
-          </a:lnRef>
-          <a:fillRef idx="1">
-            <a:schemeClr val="accent1"/>
-          </a:fillRef>
-          <a:effectRef idx="0">
-            <a:schemeClr val="accent1"/>
-          </a:effectRef>
-          <a:fontRef idx="minor">
-            <a:schemeClr val="lt1"/>
-          </a:fontRef>
-        </p:style>
-        <p:txBody>
-          <a:bodyPr rtlCol="0" anchor="ctr"/>
-          <a:lstStyle/>
-          <a:p>
-            <a:endParaRPr lang="es-ES" sz="3200" dirty="0">
-              <a:solidFill>
-                <a:schemeClr val="tx1"/>
-              </a:solidFill>
-            </a:endParaRPr>
-          </a:p>
-        </p:txBody>
-      </p:sp>
       <p:pic>
         <p:nvPicPr>
           <p:cNvPr id="33" name="Imagen 32">
@@ -4443,133 +4390,6 @@
           </a:p>
         </p:txBody>
       </p:sp>
-      <p:pic>
-        <p:nvPicPr>
-          <p:cNvPr id="52" name="Imagen 51" descr="Icono&#10;&#10;El contenido generado por IA puede ser incorrecto.">
-            <a:extLst>
-              <a:ext uri="{FF2B5EF4-FFF2-40B4-BE49-F238E27FC236}">
-                <a16:creationId xmlns:a16="http://schemas.microsoft.com/office/drawing/2014/main" id="{25705D97-6A77-2D0E-85F6-E4AE376FF069}"/>
-              </a:ext>
-            </a:extLst>
-          </p:cNvPr>
-          <p:cNvPicPr>
-            <a:picLocks noChangeAspect="1"/>
-          </p:cNvPicPr>
-          <p:nvPr/>
-        </p:nvPicPr>
-        <p:blipFill>
-          <a:blip r:embed="rId7">
-            <a:extLst>
-              <a:ext uri="{28A0092B-C50C-407E-A947-70E740481C1C}">
-                <a14:useLocalDpi xmlns:a14="http://schemas.microsoft.com/office/drawing/2010/main" val="0"/>
-              </a:ext>
-            </a:extLst>
-          </a:blip>
-          <a:stretch>
-            <a:fillRect/>
-          </a:stretch>
-        </p:blipFill>
-        <p:spPr>
-          <a:xfrm>
-            <a:off x="22333617" y="34724108"/>
-            <a:ext cx="2073021" cy="2073021"/>
-          </a:xfrm>
-          <a:prstGeom prst="rect">
-            <a:avLst/>
-          </a:prstGeom>
-        </p:spPr>
-      </p:pic>
-      <p:pic>
-        <p:nvPicPr>
-          <p:cNvPr id="56" name="Imagen 55" descr="Icono&#10;&#10;El contenido generado por IA puede ser incorrecto.">
-            <a:extLst>
-              <a:ext uri="{FF2B5EF4-FFF2-40B4-BE49-F238E27FC236}">
-                <a16:creationId xmlns:a16="http://schemas.microsoft.com/office/drawing/2014/main" id="{1CF9F830-CFD3-7DD7-CBD2-E0A681FE04BD}"/>
-              </a:ext>
-            </a:extLst>
-          </p:cNvPr>
-          <p:cNvPicPr>
-            <a:picLocks noChangeAspect="1"/>
-          </p:cNvPicPr>
-          <p:nvPr/>
-        </p:nvPicPr>
-        <p:blipFill>
-          <a:blip r:embed="rId8">
-            <a:extLst>
-              <a:ext uri="{28A0092B-C50C-407E-A947-70E740481C1C}">
-                <a14:useLocalDpi xmlns:a14="http://schemas.microsoft.com/office/drawing/2010/main" val="0"/>
-              </a:ext>
-            </a:extLst>
-          </a:blip>
-          <a:stretch>
-            <a:fillRect/>
-          </a:stretch>
-        </p:blipFill>
-        <p:spPr>
-          <a:xfrm>
-            <a:off x="18861863" y="34624194"/>
-            <a:ext cx="2285714" cy="2285714"/>
-          </a:xfrm>
-          <a:prstGeom prst="rect">
-            <a:avLst/>
-          </a:prstGeom>
-        </p:spPr>
-      </p:pic>
-      <p:pic>
-        <p:nvPicPr>
-          <p:cNvPr id="58" name="Imagen 57" descr="Icono&#10;&#10;El contenido generado por IA puede ser incorrecto.">
-            <a:extLst>
-              <a:ext uri="{FF2B5EF4-FFF2-40B4-BE49-F238E27FC236}">
-                <a16:creationId xmlns:a16="http://schemas.microsoft.com/office/drawing/2014/main" id="{961BF9B2-41CF-1D7A-95D5-5BE21ED364B9}"/>
-              </a:ext>
-            </a:extLst>
-          </p:cNvPr>
-          <p:cNvPicPr>
-            <a:picLocks noChangeAspect="1"/>
-          </p:cNvPicPr>
-          <p:nvPr/>
-        </p:nvPicPr>
-        <p:blipFill>
-          <a:blip r:embed="rId9">
-            <a:extLst>
-              <a:ext uri="{BEBA8EAE-BF5A-486C-A8C5-ECC9F3942E4B}">
-                <a14:imgProps xmlns:a14="http://schemas.microsoft.com/office/drawing/2010/main">
-                  <a14:imgLayer r:embed="rId10">
-                    <a14:imgEffect>
-                      <a14:backgroundRemoval t="8889" b="90667" l="6667" r="96000">
-                        <a14:foregroundMark x1="7111" y1="44889" x2="7111" y2="44889"/>
-                        <a14:foregroundMark x1="92889" y1="46667" x2="92889" y2="46667"/>
-                        <a14:foregroundMark x1="49333" y1="49778" x2="49333" y2="49778"/>
-                        <a14:foregroundMark x1="69333" y1="91111" x2="69333" y2="91111"/>
-                        <a14:foregroundMark x1="30222" y1="91111" x2="30222" y2="91111"/>
-                        <a14:foregroundMark x1="29333" y1="8889" x2="29333" y2="8889"/>
-                        <a14:foregroundMark x1="68444" y1="8889" x2="68444" y2="8889"/>
-                        <a14:foregroundMark x1="28889" y1="9333" x2="28889" y2="9333"/>
-                        <a14:foregroundMark x1="96000" y1="49333" x2="96000" y2="49333"/>
-                      </a14:backgroundRemoval>
-                    </a14:imgEffect>
-                  </a14:imgLayer>
-                </a14:imgProps>
-              </a:ext>
-              <a:ext uri="{28A0092B-C50C-407E-A947-70E740481C1C}">
-                <a14:useLocalDpi xmlns:a14="http://schemas.microsoft.com/office/drawing/2010/main" val="0"/>
-              </a:ext>
-            </a:extLst>
-          </a:blip>
-          <a:stretch>
-            <a:fillRect/>
-          </a:stretch>
-        </p:blipFill>
-        <p:spPr>
-          <a:xfrm>
-            <a:off x="15249955" y="34674759"/>
-            <a:ext cx="2285714" cy="2285714"/>
-          </a:xfrm>
-          <a:prstGeom prst="rect">
-            <a:avLst/>
-          </a:prstGeom>
-        </p:spPr>
-      </p:pic>
       <p:grpSp>
         <p:nvGrpSpPr>
           <p:cNvPr id="30" name="Grupo 29">
@@ -4695,10 +4515,10 @@
             <p:nvPr/>
           </p:nvPicPr>
           <p:blipFill>
-            <a:blip r:embed="rId11">
+            <a:blip r:embed="rId7">
               <a:extLst>
                 <a:ext uri="{96DAC541-7B7A-43D3-8B79-37D633B846F1}">
-                  <asvg:svgBlip xmlns:asvg="http://schemas.microsoft.com/office/drawing/2016/SVG/main" r:embed="rId12"/>
+                  <asvg:svgBlip xmlns:asvg="http://schemas.microsoft.com/office/drawing/2016/SVG/main" r:embed="rId8"/>
                 </a:ext>
               </a:extLst>
             </a:blip>
@@ -4731,7 +4551,7 @@
             <p:nvPr/>
           </p:nvPicPr>
           <p:blipFill>
-            <a:blip r:embed="rId7">
+            <a:blip r:embed="rId9">
               <a:extLst>
                 <a:ext uri="{28A0092B-C50C-407E-A947-70E740481C1C}">
                   <a14:useLocalDpi xmlns:a14="http://schemas.microsoft.com/office/drawing/2010/main" val="0"/>
@@ -4970,114 +4790,6 @@
           </p:txBody>
         </p:sp>
       </p:grpSp>
-      <p:pic>
-        <p:nvPicPr>
-          <p:cNvPr id="54" name="Imagen 53" descr="Logotipo&#10;&#10;El contenido generado por IA puede ser incorrecto.">
-            <a:extLst>
-              <a:ext uri="{FF2B5EF4-FFF2-40B4-BE49-F238E27FC236}">
-                <a16:creationId xmlns:a16="http://schemas.microsoft.com/office/drawing/2014/main" id="{A460FEAD-0208-4E07-9D30-91399A451DB2}"/>
-              </a:ext>
-            </a:extLst>
-          </p:cNvPr>
-          <p:cNvPicPr>
-            <a:picLocks noChangeAspect="1"/>
-          </p:cNvPicPr>
-          <p:nvPr/>
-        </p:nvPicPr>
-        <p:blipFill>
-          <a:blip r:embed="rId13">
-            <a:extLst>
-              <a:ext uri="{28A0092B-C50C-407E-A947-70E740481C1C}">
-                <a14:useLocalDpi xmlns:a14="http://schemas.microsoft.com/office/drawing/2010/main" val="0"/>
-              </a:ext>
-            </a:extLst>
-          </a:blip>
-          <a:stretch>
-            <a:fillRect/>
-          </a:stretch>
-        </p:blipFill>
-        <p:spPr>
-          <a:xfrm>
-            <a:off x="22305463" y="31590765"/>
-            <a:ext cx="2246498" cy="2246498"/>
-          </a:xfrm>
-          <a:prstGeom prst="rect">
-            <a:avLst/>
-          </a:prstGeom>
-        </p:spPr>
-      </p:pic>
-      <p:pic>
-        <p:nvPicPr>
-          <p:cNvPr id="4" name="Imagen 3" descr="Logotipo, Icono&#10;&#10;El contenido generado por IA puede ser incorrecto.">
-            <a:extLst>
-              <a:ext uri="{FF2B5EF4-FFF2-40B4-BE49-F238E27FC236}">
-                <a16:creationId xmlns:a16="http://schemas.microsoft.com/office/drawing/2014/main" id="{EFD5C430-F2B0-E940-0F09-2EA55CC71E3C}"/>
-              </a:ext>
-            </a:extLst>
-          </p:cNvPr>
-          <p:cNvPicPr>
-            <a:picLocks noChangeAspect="1"/>
-          </p:cNvPicPr>
-          <p:nvPr/>
-        </p:nvPicPr>
-        <p:blipFill>
-          <a:blip r:embed="rId14">
-            <a:extLst>
-              <a:ext uri="{28A0092B-C50C-407E-A947-70E740481C1C}">
-                <a14:useLocalDpi xmlns:a14="http://schemas.microsoft.com/office/drawing/2010/main" val="0"/>
-              </a:ext>
-            </a:extLst>
-          </a:blip>
-          <a:stretch>
-            <a:fillRect/>
-          </a:stretch>
-        </p:blipFill>
-        <p:spPr>
-          <a:xfrm>
-            <a:off x="18697692" y="31655646"/>
-            <a:ext cx="2246498" cy="2246498"/>
-          </a:xfrm>
-          <a:prstGeom prst="rect">
-            <a:avLst/>
-          </a:prstGeom>
-        </p:spPr>
-      </p:pic>
-      <p:pic>
-        <p:nvPicPr>
-          <p:cNvPr id="8" name="Imagen 7" descr="Logotipo&#10;&#10;El contenido generado por IA puede ser incorrecto.">
-            <a:extLst>
-              <a:ext uri="{FF2B5EF4-FFF2-40B4-BE49-F238E27FC236}">
-                <a16:creationId xmlns:a16="http://schemas.microsoft.com/office/drawing/2014/main" id="{6326C963-9AF0-E269-6719-C422570F6BE2}"/>
-              </a:ext>
-            </a:extLst>
-          </p:cNvPr>
-          <p:cNvPicPr>
-            <a:picLocks noChangeAspect="1"/>
-          </p:cNvPicPr>
-          <p:nvPr/>
-        </p:nvPicPr>
-        <p:blipFill>
-          <a:blip r:embed="rId15">
-            <a:extLst>
-              <a:ext uri="{28A0092B-C50C-407E-A947-70E740481C1C}">
-                <a14:useLocalDpi xmlns:a14="http://schemas.microsoft.com/office/drawing/2010/main" val="0"/>
-              </a:ext>
-            </a:extLst>
-          </a:blip>
-          <a:stretch>
-            <a:fillRect/>
-          </a:stretch>
-        </p:blipFill>
-        <p:spPr>
-          <a:xfrm>
-            <a:off x="15221801" y="31663939"/>
-            <a:ext cx="2114285" cy="2285714"/>
-          </a:xfrm>
-          <a:prstGeom prst="rect">
-            <a:avLst/>
-          </a:prstGeom>
-        </p:spPr>
-      </p:pic>
       <p:sp>
         <p:nvSpPr>
           <p:cNvPr id="11" name="Rectángulo: esquinas redondeadas 10">
@@ -5190,7 +4902,7 @@
         </p:nvSpPr>
         <p:spPr>
           <a:xfrm>
-            <a:off x="1382752" y="34377079"/>
+            <a:off x="1382752" y="34669733"/>
             <a:ext cx="11079490" cy="2569976"/>
           </a:xfrm>
           <a:prstGeom prst="rect">
@@ -5230,15 +4942,9 @@
                 <a:solidFill>
                   <a:schemeClr val="tx1"/>
                 </a:solidFill>
-                <a:hlinkClick r:id="rId16"/>
               </a:rPr>
               <a:t>https://docs.ethers.org/v5/cookbook</a:t>
             </a:r>
-            <a:endParaRPr lang="es-ES" sz="3200" dirty="0">
-              <a:solidFill>
-                <a:schemeClr val="tx1"/>
-              </a:solidFill>
-            </a:endParaRPr>
           </a:p>
           <a:p>
             <a:pPr marL="457200" indent="-457200">
@@ -5250,15 +4956,9 @@
                 <a:solidFill>
                   <a:schemeClr val="tx1"/>
                 </a:solidFill>
-                <a:hlinkClick r:id="rId17"/>
               </a:rPr>
               <a:t>https://ethereum.org/es/developers/docs</a:t>
             </a:r>
-            <a:endParaRPr lang="es-ES" sz="3200" dirty="0">
-              <a:solidFill>
-                <a:schemeClr val="tx1"/>
-              </a:solidFill>
-            </a:endParaRPr>
           </a:p>
           <a:p>
             <a:pPr marL="457200" indent="-457200">
@@ -5270,15 +4970,23 @@
                 <a:solidFill>
                   <a:schemeClr val="tx1"/>
                 </a:solidFill>
-                <a:hlinkClick r:id="rId18"/>
               </a:rPr>
               <a:t>https://eth-sepolia.blockscout.com</a:t>
             </a:r>
-            <a:endParaRPr lang="es-ES" sz="3200" dirty="0">
-              <a:solidFill>
-                <a:schemeClr val="tx1"/>
-              </a:solidFill>
-            </a:endParaRPr>
+          </a:p>
+          <a:p>
+            <a:pPr marL="457200" indent="-457200">
+              <a:buFont typeface="Arial" panose="020B0604020202020204" pitchFamily="34" charset="0"/>
+              <a:buChar char="•"/>
+            </a:pPr>
+            <a:r>
+              <a:rPr lang="es-ES" sz="3200" dirty="0">
+                <a:solidFill>
+                  <a:schemeClr val="tx1"/>
+                </a:solidFill>
+              </a:rPr>
+              <a:t>https://www.sciencedirect.com/science/article/pii/S0276562410000685</a:t>
+            </a:r>
           </a:p>
           <a:p>
             <a:pPr marL="457200" indent="-457200">
@@ -5308,7 +5016,7 @@
           <p:nvPr/>
         </p:nvPicPr>
         <p:blipFill>
-          <a:blip r:embed="rId19"/>
+          <a:blip r:embed="rId10"/>
           <a:stretch>
             <a:fillRect/>
           </a:stretch>
@@ -5343,7 +5051,7 @@
           <p:nvPr/>
         </p:nvPicPr>
         <p:blipFill>
-          <a:blip r:embed="rId20"/>
+          <a:blip r:embed="rId11"/>
           <a:stretch>
             <a:fillRect/>
           </a:stretch>
@@ -5398,7 +5106,7 @@
             <p:nvPr/>
           </p:nvPicPr>
           <p:blipFill>
-            <a:blip r:embed="rId21"/>
+            <a:blip r:embed="rId12"/>
             <a:stretch>
               <a:fillRect/>
             </a:stretch>
@@ -5485,7 +5193,7 @@
             <p:nvPr/>
           </p:nvPicPr>
           <p:blipFill>
-            <a:blip r:embed="rId22">
+            <a:blip r:embed="rId13">
               <a:extLst>
                 <a:ext uri="{28A0092B-C50C-407E-A947-70E740481C1C}">
                   <a14:useLocalDpi xmlns:a14="http://schemas.microsoft.com/office/drawing/2010/main" val="0"/>
@@ -5548,6 +5256,351 @@
             <a:p>
               <a:pPr algn="ctr"/>
               <a:endParaRPr lang="es-ES" sz="1400" dirty="0"/>
+            </a:p>
+          </p:txBody>
+        </p:sp>
+      </p:grpSp>
+      <p:grpSp>
+        <p:nvGrpSpPr>
+          <p:cNvPr id="13" name="Grupo 12">
+            <a:extLst>
+              <a:ext uri="{FF2B5EF4-FFF2-40B4-BE49-F238E27FC236}">
+                <a16:creationId xmlns:a16="http://schemas.microsoft.com/office/drawing/2014/main" id="{E808DC21-BE66-7091-6A92-F9AD0835DDEF}"/>
+              </a:ext>
+            </a:extLst>
+          </p:cNvPr>
+          <p:cNvGrpSpPr/>
+          <p:nvPr/>
+        </p:nvGrpSpPr>
+        <p:grpSpPr>
+          <a:xfrm>
+            <a:off x="14100746" y="30641040"/>
+            <a:ext cx="11812489" cy="6759863"/>
+            <a:chOff x="14100746" y="30641040"/>
+            <a:chExt cx="11812489" cy="6759863"/>
+          </a:xfrm>
+        </p:grpSpPr>
+        <p:sp>
+          <p:nvSpPr>
+            <p:cNvPr id="16" name="Rectángulo 15">
+              <a:extLst>
+                <a:ext uri="{FF2B5EF4-FFF2-40B4-BE49-F238E27FC236}">
+                  <a16:creationId xmlns:a16="http://schemas.microsoft.com/office/drawing/2014/main" id="{23B4593E-8715-C874-0B1D-67D21536CF12}"/>
+                </a:ext>
+              </a:extLst>
+            </p:cNvPr>
+            <p:cNvSpPr/>
+            <p:nvPr/>
+          </p:nvSpPr>
+          <p:spPr>
+            <a:xfrm>
+              <a:off x="14100746" y="30641040"/>
+              <a:ext cx="11812489" cy="6614281"/>
+            </a:xfrm>
+            <a:prstGeom prst="rect">
+              <a:avLst/>
+            </a:prstGeom>
+            <a:noFill/>
+            <a:ln>
+              <a:noFill/>
+            </a:ln>
+          </p:spPr>
+          <p:style>
+            <a:lnRef idx="2">
+              <a:schemeClr val="accent1">
+                <a:shade val="15000"/>
+              </a:schemeClr>
+            </a:lnRef>
+            <a:fillRef idx="1">
+              <a:schemeClr val="accent1"/>
+            </a:fillRef>
+            <a:effectRef idx="0">
+              <a:schemeClr val="accent1"/>
+            </a:effectRef>
+            <a:fontRef idx="minor">
+              <a:schemeClr val="lt1"/>
+            </a:fontRef>
+          </p:style>
+          <p:txBody>
+            <a:bodyPr rtlCol="0" anchor="ctr"/>
+            <a:lstStyle/>
+            <a:p>
+              <a:endParaRPr lang="es-ES" sz="3200" dirty="0">
+                <a:solidFill>
+                  <a:schemeClr val="tx1"/>
+                </a:solidFill>
+              </a:endParaRPr>
+            </a:p>
+          </p:txBody>
+        </p:sp>
+        <p:pic>
+          <p:nvPicPr>
+            <p:cNvPr id="52" name="Imagen 51" descr="Icono&#10;&#10;El contenido generado por IA puede ser incorrecto.">
+              <a:extLst>
+                <a:ext uri="{FF2B5EF4-FFF2-40B4-BE49-F238E27FC236}">
+                  <a16:creationId xmlns:a16="http://schemas.microsoft.com/office/drawing/2014/main" id="{25705D97-6A77-2D0E-85F6-E4AE376FF069}"/>
+                </a:ext>
+              </a:extLst>
+            </p:cNvPr>
+            <p:cNvPicPr>
+              <a:picLocks noChangeAspect="1"/>
+            </p:cNvPicPr>
+            <p:nvPr/>
+          </p:nvPicPr>
+          <p:blipFill>
+            <a:blip r:embed="rId9">
+              <a:extLst>
+                <a:ext uri="{28A0092B-C50C-407E-A947-70E740481C1C}">
+                  <a14:useLocalDpi xmlns:a14="http://schemas.microsoft.com/office/drawing/2010/main" val="0"/>
+                </a:ext>
+              </a:extLst>
+            </a:blip>
+            <a:stretch>
+              <a:fillRect/>
+            </a:stretch>
+          </p:blipFill>
+          <p:spPr>
+            <a:xfrm>
+              <a:off x="22333617" y="34724108"/>
+              <a:ext cx="2073021" cy="2073021"/>
+            </a:xfrm>
+            <a:prstGeom prst="rect">
+              <a:avLst/>
+            </a:prstGeom>
+          </p:spPr>
+        </p:pic>
+        <p:pic>
+          <p:nvPicPr>
+            <p:cNvPr id="56" name="Imagen 55" descr="Icono&#10;&#10;El contenido generado por IA puede ser incorrecto.">
+              <a:extLst>
+                <a:ext uri="{FF2B5EF4-FFF2-40B4-BE49-F238E27FC236}">
+                  <a16:creationId xmlns:a16="http://schemas.microsoft.com/office/drawing/2014/main" id="{1CF9F830-CFD3-7DD7-CBD2-E0A681FE04BD}"/>
+                </a:ext>
+              </a:extLst>
+            </p:cNvPr>
+            <p:cNvPicPr>
+              <a:picLocks noChangeAspect="1"/>
+            </p:cNvPicPr>
+            <p:nvPr/>
+          </p:nvPicPr>
+          <p:blipFill>
+            <a:blip r:embed="rId14">
+              <a:extLst>
+                <a:ext uri="{28A0092B-C50C-407E-A947-70E740481C1C}">
+                  <a14:useLocalDpi xmlns:a14="http://schemas.microsoft.com/office/drawing/2010/main" val="0"/>
+                </a:ext>
+              </a:extLst>
+            </a:blip>
+            <a:stretch>
+              <a:fillRect/>
+            </a:stretch>
+          </p:blipFill>
+          <p:spPr>
+            <a:xfrm>
+              <a:off x="18861863" y="34624194"/>
+              <a:ext cx="2285714" cy="2285714"/>
+            </a:xfrm>
+            <a:prstGeom prst="rect">
+              <a:avLst/>
+            </a:prstGeom>
+          </p:spPr>
+        </p:pic>
+        <p:pic>
+          <p:nvPicPr>
+            <p:cNvPr id="58" name="Imagen 57" descr="Icono&#10;&#10;El contenido generado por IA puede ser incorrecto.">
+              <a:extLst>
+                <a:ext uri="{FF2B5EF4-FFF2-40B4-BE49-F238E27FC236}">
+                  <a16:creationId xmlns:a16="http://schemas.microsoft.com/office/drawing/2014/main" id="{961BF9B2-41CF-1D7A-95D5-5BE21ED364B9}"/>
+                </a:ext>
+              </a:extLst>
+            </p:cNvPr>
+            <p:cNvPicPr>
+              <a:picLocks noChangeAspect="1"/>
+            </p:cNvPicPr>
+            <p:nvPr/>
+          </p:nvPicPr>
+          <p:blipFill>
+            <a:blip r:embed="rId15">
+              <a:extLst>
+                <a:ext uri="{BEBA8EAE-BF5A-486C-A8C5-ECC9F3942E4B}">
+                  <a14:imgProps xmlns:a14="http://schemas.microsoft.com/office/drawing/2010/main">
+                    <a14:imgLayer r:embed="rId16">
+                      <a14:imgEffect>
+                        <a14:backgroundRemoval t="8889" b="90667" l="6667" r="96000">
+                          <a14:foregroundMark x1="7111" y1="44889" x2="7111" y2="44889"/>
+                          <a14:foregroundMark x1="92889" y1="46667" x2="92889" y2="46667"/>
+                          <a14:foregroundMark x1="49333" y1="49778" x2="49333" y2="49778"/>
+                          <a14:foregroundMark x1="69333" y1="91111" x2="69333" y2="91111"/>
+                          <a14:foregroundMark x1="30222" y1="91111" x2="30222" y2="91111"/>
+                          <a14:foregroundMark x1="29333" y1="8889" x2="29333" y2="8889"/>
+                          <a14:foregroundMark x1="68444" y1="8889" x2="68444" y2="8889"/>
+                          <a14:foregroundMark x1="28889" y1="9333" x2="28889" y2="9333"/>
+                          <a14:foregroundMark x1="96000" y1="49333" x2="96000" y2="49333"/>
+                        </a14:backgroundRemoval>
+                      </a14:imgEffect>
+                    </a14:imgLayer>
+                  </a14:imgProps>
+                </a:ext>
+                <a:ext uri="{28A0092B-C50C-407E-A947-70E740481C1C}">
+                  <a14:useLocalDpi xmlns:a14="http://schemas.microsoft.com/office/drawing/2010/main" val="0"/>
+                </a:ext>
+              </a:extLst>
+            </a:blip>
+            <a:stretch>
+              <a:fillRect/>
+            </a:stretch>
+          </p:blipFill>
+          <p:spPr>
+            <a:xfrm>
+              <a:off x="15249955" y="34674759"/>
+              <a:ext cx="2285714" cy="2285714"/>
+            </a:xfrm>
+            <a:prstGeom prst="rect">
+              <a:avLst/>
+            </a:prstGeom>
+          </p:spPr>
+        </p:pic>
+        <p:pic>
+          <p:nvPicPr>
+            <p:cNvPr id="54" name="Imagen 53" descr="Logotipo&#10;&#10;El contenido generado por IA puede ser incorrecto.">
+              <a:extLst>
+                <a:ext uri="{FF2B5EF4-FFF2-40B4-BE49-F238E27FC236}">
+                  <a16:creationId xmlns:a16="http://schemas.microsoft.com/office/drawing/2014/main" id="{A460FEAD-0208-4E07-9D30-91399A451DB2}"/>
+                </a:ext>
+              </a:extLst>
+            </p:cNvPr>
+            <p:cNvPicPr>
+              <a:picLocks noChangeAspect="1"/>
+            </p:cNvPicPr>
+            <p:nvPr/>
+          </p:nvPicPr>
+          <p:blipFill>
+            <a:blip r:embed="rId17">
+              <a:extLst>
+                <a:ext uri="{28A0092B-C50C-407E-A947-70E740481C1C}">
+                  <a14:useLocalDpi xmlns:a14="http://schemas.microsoft.com/office/drawing/2010/main" val="0"/>
+                </a:ext>
+              </a:extLst>
+            </a:blip>
+            <a:stretch>
+              <a:fillRect/>
+            </a:stretch>
+          </p:blipFill>
+          <p:spPr>
+            <a:xfrm>
+              <a:off x="22305463" y="31590765"/>
+              <a:ext cx="2246498" cy="2246498"/>
+            </a:xfrm>
+            <a:prstGeom prst="rect">
+              <a:avLst/>
+            </a:prstGeom>
+          </p:spPr>
+        </p:pic>
+        <p:pic>
+          <p:nvPicPr>
+            <p:cNvPr id="4" name="Imagen 3" descr="Logotipo, Icono&#10;&#10;El contenido generado por IA puede ser incorrecto.">
+              <a:extLst>
+                <a:ext uri="{FF2B5EF4-FFF2-40B4-BE49-F238E27FC236}">
+                  <a16:creationId xmlns:a16="http://schemas.microsoft.com/office/drawing/2014/main" id="{EFD5C430-F2B0-E940-0F09-2EA55CC71E3C}"/>
+                </a:ext>
+              </a:extLst>
+            </p:cNvPr>
+            <p:cNvPicPr>
+              <a:picLocks noChangeAspect="1"/>
+            </p:cNvPicPr>
+            <p:nvPr/>
+          </p:nvPicPr>
+          <p:blipFill>
+            <a:blip r:embed="rId18">
+              <a:extLst>
+                <a:ext uri="{28A0092B-C50C-407E-A947-70E740481C1C}">
+                  <a14:useLocalDpi xmlns:a14="http://schemas.microsoft.com/office/drawing/2010/main" val="0"/>
+                </a:ext>
+              </a:extLst>
+            </a:blip>
+            <a:stretch>
+              <a:fillRect/>
+            </a:stretch>
+          </p:blipFill>
+          <p:spPr>
+            <a:xfrm>
+              <a:off x="18697692" y="31655646"/>
+              <a:ext cx="2246498" cy="2246498"/>
+            </a:xfrm>
+            <a:prstGeom prst="rect">
+              <a:avLst/>
+            </a:prstGeom>
+          </p:spPr>
+        </p:pic>
+        <p:pic>
+          <p:nvPicPr>
+            <p:cNvPr id="8" name="Imagen 7" descr="Logotipo&#10;&#10;El contenido generado por IA puede ser incorrecto.">
+              <a:extLst>
+                <a:ext uri="{FF2B5EF4-FFF2-40B4-BE49-F238E27FC236}">
+                  <a16:creationId xmlns:a16="http://schemas.microsoft.com/office/drawing/2014/main" id="{6326C963-9AF0-E269-6719-C422570F6BE2}"/>
+                </a:ext>
+              </a:extLst>
+            </p:cNvPr>
+            <p:cNvPicPr>
+              <a:picLocks noChangeAspect="1"/>
+            </p:cNvPicPr>
+            <p:nvPr/>
+          </p:nvPicPr>
+          <p:blipFill>
+            <a:blip r:embed="rId19">
+              <a:extLst>
+                <a:ext uri="{28A0092B-C50C-407E-A947-70E740481C1C}">
+                  <a14:useLocalDpi xmlns:a14="http://schemas.microsoft.com/office/drawing/2010/main" val="0"/>
+                </a:ext>
+              </a:extLst>
+            </a:blip>
+            <a:stretch>
+              <a:fillRect/>
+            </a:stretch>
+          </p:blipFill>
+          <p:spPr>
+            <a:xfrm>
+              <a:off x="15221801" y="31663939"/>
+              <a:ext cx="2114285" cy="2285714"/>
+            </a:xfrm>
+            <a:prstGeom prst="rect">
+              <a:avLst/>
+            </a:prstGeom>
+          </p:spPr>
+        </p:pic>
+        <p:sp>
+          <p:nvSpPr>
+            <p:cNvPr id="3" name="CuadroTexto 2">
+              <a:extLst>
+                <a:ext uri="{FF2B5EF4-FFF2-40B4-BE49-F238E27FC236}">
+                  <a16:creationId xmlns:a16="http://schemas.microsoft.com/office/drawing/2014/main" id="{F38629B8-E300-CBCD-8200-BA6B454270E6}"/>
+                </a:ext>
+              </a:extLst>
+            </p:cNvPr>
+            <p:cNvSpPr txBox="1"/>
+            <p:nvPr/>
+          </p:nvSpPr>
+          <p:spPr>
+            <a:xfrm>
+              <a:off x="14346798" y="37093126"/>
+              <a:ext cx="11320387" cy="307777"/>
+            </a:xfrm>
+            <a:prstGeom prst="rect">
+              <a:avLst/>
+            </a:prstGeom>
+            <a:noFill/>
+          </p:spPr>
+          <p:txBody>
+            <a:bodyPr wrap="square" rtlCol="0">
+              <a:spAutoFit/>
+            </a:bodyPr>
+            <a:lstStyle/>
+            <a:p>
+              <a:pPr algn="ctr"/>
+              <a:r>
+                <a:rPr lang="es-ES" sz="1400" dirty="0"/>
+                <a:t>Fuente iconos: https://www.iconfinder.com/iconsets/logos-3</a:t>
+              </a:r>
             </a:p>
           </p:txBody>
         </p:sp>
